--- a/Python Basics/Learn Python 1.pptx
+++ b/Python Basics/Learn Python 1.pptx
@@ -304,7 +304,7 @@
           <a:p>
             <a:fld id="{8944CEF1-4DCA-4A5E-8B3E-5E85A552FE25}" type="datetimeFigureOut">
               <a:rPr lang="en-US" smtClean="0"/>
-              <a:t>7/21/2020</a:t>
+              <a:t>4/15/2021</a:t>
             </a:fld>
             <a:endParaRPr lang="en-US"/>
           </a:p>
@@ -642,7 +642,7 @@
           <a:p>
             <a:fld id="{8944CEF1-4DCA-4A5E-8B3E-5E85A552FE25}" type="datetimeFigureOut">
               <a:rPr lang="en-US" smtClean="0"/>
-              <a:t>7/21/2020</a:t>
+              <a:t>4/15/2021</a:t>
             </a:fld>
             <a:endParaRPr lang="en-US"/>
           </a:p>
@@ -1043,7 +1043,7 @@
           <a:p>
             <a:fld id="{8944CEF1-4DCA-4A5E-8B3E-5E85A552FE25}" type="datetimeFigureOut">
               <a:rPr lang="en-US" smtClean="0"/>
-              <a:t>7/21/2020</a:t>
+              <a:t>4/15/2021</a:t>
             </a:fld>
             <a:endParaRPr lang="en-US"/>
           </a:p>
@@ -1379,7 +1379,7 @@
           <a:p>
             <a:fld id="{8944CEF1-4DCA-4A5E-8B3E-5E85A552FE25}" type="datetimeFigureOut">
               <a:rPr lang="en-US" smtClean="0"/>
-              <a:t>7/21/2020</a:t>
+              <a:t>4/15/2021</a:t>
             </a:fld>
             <a:endParaRPr lang="en-US"/>
           </a:p>
@@ -1699,7 +1699,7 @@
           <a:p>
             <a:fld id="{8944CEF1-4DCA-4A5E-8B3E-5E85A552FE25}" type="datetimeFigureOut">
               <a:rPr lang="en-US" smtClean="0"/>
-              <a:t>7/21/2020</a:t>
+              <a:t>4/15/2021</a:t>
             </a:fld>
             <a:endParaRPr lang="en-US"/>
           </a:p>
@@ -2095,7 +2095,7 @@
           <a:p>
             <a:fld id="{8944CEF1-4DCA-4A5E-8B3E-5E85A552FE25}" type="datetimeFigureOut">
               <a:rPr lang="en-US" smtClean="0"/>
-              <a:t>7/21/2020</a:t>
+              <a:t>4/15/2021</a:t>
             </a:fld>
             <a:endParaRPr lang="en-US"/>
           </a:p>
@@ -2352,7 +2352,7 @@
           <a:p>
             <a:fld id="{8944CEF1-4DCA-4A5E-8B3E-5E85A552FE25}" type="datetimeFigureOut">
               <a:rPr lang="en-US" smtClean="0"/>
-              <a:t>7/21/2020</a:t>
+              <a:t>4/15/2021</a:t>
             </a:fld>
             <a:endParaRPr lang="en-US"/>
           </a:p>
@@ -2614,7 +2614,7 @@
           <a:p>
             <a:fld id="{8944CEF1-4DCA-4A5E-8B3E-5E85A552FE25}" type="datetimeFigureOut">
               <a:rPr lang="en-US" smtClean="0"/>
-              <a:t>7/21/2020</a:t>
+              <a:t>4/15/2021</a:t>
             </a:fld>
             <a:endParaRPr lang="en-US"/>
           </a:p>
@@ -2876,7 +2876,7 @@
           <a:p>
             <a:fld id="{8944CEF1-4DCA-4A5E-8B3E-5E85A552FE25}" type="datetimeFigureOut">
               <a:rPr lang="en-US" smtClean="0"/>
-              <a:t>7/21/2020</a:t>
+              <a:t>4/15/2021</a:t>
             </a:fld>
             <a:endParaRPr lang="en-US"/>
           </a:p>
@@ -3205,7 +3205,7 @@
           <a:p>
             <a:fld id="{8944CEF1-4DCA-4A5E-8B3E-5E85A552FE25}" type="datetimeFigureOut">
               <a:rPr lang="en-US" smtClean="0"/>
-              <a:t>7/21/2020</a:t>
+              <a:t>4/15/2021</a:t>
             </a:fld>
             <a:endParaRPr lang="en-US"/>
           </a:p>
@@ -3528,7 +3528,7 @@
           <a:p>
             <a:fld id="{8944CEF1-4DCA-4A5E-8B3E-5E85A552FE25}" type="datetimeFigureOut">
               <a:rPr lang="en-US" smtClean="0"/>
-              <a:t>7/21/2020</a:t>
+              <a:t>4/15/2021</a:t>
             </a:fld>
             <a:endParaRPr lang="en-US"/>
           </a:p>
@@ -3985,7 +3985,7 @@
           <a:p>
             <a:fld id="{8944CEF1-4DCA-4A5E-8B3E-5E85A552FE25}" type="datetimeFigureOut">
               <a:rPr lang="en-US" smtClean="0"/>
-              <a:t>7/21/2020</a:t>
+              <a:t>4/15/2021</a:t>
             </a:fld>
             <a:endParaRPr lang="en-US"/>
           </a:p>
@@ -4190,7 +4190,7 @@
           <a:p>
             <a:fld id="{8944CEF1-4DCA-4A5E-8B3E-5E85A552FE25}" type="datetimeFigureOut">
               <a:rPr lang="en-US" smtClean="0"/>
-              <a:t>7/21/2020</a:t>
+              <a:t>4/15/2021</a:t>
             </a:fld>
             <a:endParaRPr lang="en-US"/>
           </a:p>
@@ -4367,7 +4367,7 @@
           <a:p>
             <a:fld id="{8944CEF1-4DCA-4A5E-8B3E-5E85A552FE25}" type="datetimeFigureOut">
               <a:rPr lang="en-US" smtClean="0"/>
-              <a:t>7/21/2020</a:t>
+              <a:t>4/15/2021</a:t>
             </a:fld>
             <a:endParaRPr lang="en-US"/>
           </a:p>
@@ -4700,7 +4700,7 @@
           <a:p>
             <a:fld id="{8944CEF1-4DCA-4A5E-8B3E-5E85A552FE25}" type="datetimeFigureOut">
               <a:rPr lang="en-US" smtClean="0"/>
-              <a:t>7/21/2020</a:t>
+              <a:t>4/15/2021</a:t>
             </a:fld>
             <a:endParaRPr lang="en-US"/>
           </a:p>
@@ -5045,7 +5045,7 @@
           <a:p>
             <a:fld id="{8944CEF1-4DCA-4A5E-8B3E-5E85A552FE25}" type="datetimeFigureOut">
               <a:rPr lang="en-US" smtClean="0"/>
-              <a:t>7/21/2020</a:t>
+              <a:t>4/15/2021</a:t>
             </a:fld>
             <a:endParaRPr lang="en-US"/>
           </a:p>
@@ -7162,7 +7162,7 @@
           <a:p>
             <a:fld id="{8944CEF1-4DCA-4A5E-8B3E-5E85A552FE25}" type="datetimeFigureOut">
               <a:rPr lang="en-US" smtClean="0"/>
-              <a:t>7/21/2020</a:t>
+              <a:t>4/15/2021</a:t>
             </a:fld>
             <a:endParaRPr lang="en-US"/>
           </a:p>
@@ -9381,22 +9381,119 @@
           </p:cNvPicPr>
           <p:nvPr/>
         </p:nvPicPr>
-        <p:blipFill>
+        <p:blipFill rotWithShape="1">
           <a:blip r:embed="rId2"/>
-          <a:stretch>
-            <a:fillRect/>
-          </a:stretch>
+          <a:srcRect t="1" b="-44"/>
+          <a:stretch/>
         </p:blipFill>
         <p:spPr>
           <a:xfrm>
             <a:off x="-1" y="0"/>
-            <a:ext cx="12192001" cy="6855036"/>
+            <a:ext cx="12192001" cy="6858000"/>
           </a:xfrm>
           <a:prstGeom prst="rect">
             <a:avLst/>
           </a:prstGeom>
         </p:spPr>
       </p:pic>
+      <p:sp>
+        <p:nvSpPr>
+          <p:cNvPr id="5" name="Rectangle 4">
+            <a:extLst>
+              <a:ext uri="{FF2B5EF4-FFF2-40B4-BE49-F238E27FC236}">
+                <a16:creationId xmlns:a16="http://schemas.microsoft.com/office/drawing/2014/main" id="{1D229500-4EA2-42D7-9063-05D72F2CD988}"/>
+              </a:ext>
+            </a:extLst>
+          </p:cNvPr>
+          <p:cNvSpPr/>
+          <p:nvPr/>
+        </p:nvSpPr>
+        <p:spPr>
+          <a:xfrm>
+            <a:off x="124288" y="5735434"/>
+            <a:ext cx="3284737" cy="498456"/>
+          </a:xfrm>
+          <a:prstGeom prst="rect">
+            <a:avLst/>
+          </a:prstGeom>
+          <a:ln>
+            <a:solidFill>
+              <a:schemeClr val="bg1"/>
+            </a:solidFill>
+          </a:ln>
+        </p:spPr>
+        <p:style>
+          <a:lnRef idx="2">
+            <a:schemeClr val="dk1"/>
+          </a:lnRef>
+          <a:fillRef idx="1">
+            <a:schemeClr val="lt1"/>
+          </a:fillRef>
+          <a:effectRef idx="0">
+            <a:schemeClr val="dk1"/>
+          </a:effectRef>
+          <a:fontRef idx="minor">
+            <a:schemeClr val="dk1"/>
+          </a:fontRef>
+        </p:style>
+        <p:txBody>
+          <a:bodyPr rtlCol="0" anchor="ctr"/>
+          <a:lstStyle/>
+          <a:p>
+            <a:pPr algn="ctr"/>
+            <a:endParaRPr lang="en-US"/>
+          </a:p>
+        </p:txBody>
+      </p:sp>
+      <p:sp>
+        <p:nvSpPr>
+          <p:cNvPr id="6" name="Rectangle 5">
+            <a:extLst>
+              <a:ext uri="{FF2B5EF4-FFF2-40B4-BE49-F238E27FC236}">
+                <a16:creationId xmlns:a16="http://schemas.microsoft.com/office/drawing/2014/main" id="{B7651444-3260-4B33-81B0-E777E3862FF1}"/>
+              </a:ext>
+            </a:extLst>
+          </p:cNvPr>
+          <p:cNvSpPr/>
+          <p:nvPr/>
+        </p:nvSpPr>
+        <p:spPr>
+          <a:xfrm>
+            <a:off x="4515775" y="5886155"/>
+            <a:ext cx="3284737" cy="498456"/>
+          </a:xfrm>
+          <a:prstGeom prst="rect">
+            <a:avLst/>
+          </a:prstGeom>
+          <a:ln>
+            <a:solidFill>
+              <a:schemeClr val="bg1"/>
+            </a:solidFill>
+          </a:ln>
+        </p:spPr>
+        <p:style>
+          <a:lnRef idx="2">
+            <a:schemeClr val="dk1"/>
+          </a:lnRef>
+          <a:fillRef idx="1">
+            <a:schemeClr val="lt1"/>
+          </a:fillRef>
+          <a:effectRef idx="0">
+            <a:schemeClr val="dk1"/>
+          </a:effectRef>
+          <a:fontRef idx="minor">
+            <a:schemeClr val="dk1"/>
+          </a:fontRef>
+        </p:style>
+        <p:txBody>
+          <a:bodyPr rtlCol="0" anchor="ctr"/>
+          <a:lstStyle/>
+          <a:p>
+            <a:pPr algn="ctr"/>
+            <a:endParaRPr lang="en-US"/>
+          </a:p>
+        </p:txBody>
+      </p:sp>
     </p:spTree>
     <p:extLst>
       <p:ext uri="{BB962C8B-B14F-4D97-AF65-F5344CB8AC3E}">
